--- a/EduDoc/ot교안_나를소개하는온라인프로필만들기.pptx
+++ b/EduDoc/ot교안_나를소개하는온라인프로필만들기.pptx
@@ -213,7 +213,7 @@
           <a:p>
             <a:fld id="{1FE56B26-7323-4AD1-935D-BDF1ADE2C831}" type="datetimeFigureOut">
               <a:rPr lang="ko-KR" altLang="en-US" smtClean="0"/>
-              <a:t>2024-04-27</a:t>
+              <a:t>2024-05-01</a:t>
             </a:fld>
             <a:endParaRPr lang="ko-KR" altLang="en-US"/>
           </a:p>
@@ -3836,7 +3836,7 @@
           <a:p>
             <a:fld id="{F8166F1F-CE9B-4651-A6AA-CD717754106B}" type="datetimeFigureOut">
               <a:rPr lang="en-US" smtClean="0"/>
-              <a:t>4/27/2024</a:t>
+              <a:t>5/1/2024</a:t>
             </a:fld>
             <a:endParaRPr lang="en-US"/>
           </a:p>
@@ -4004,7 +4004,7 @@
           <a:p>
             <a:fld id="{A76116CE-C4A3-4A05-B2D7-7C2E9A889C0F}" type="datetimeFigureOut">
               <a:rPr lang="en-US" smtClean="0"/>
-              <a:t>4/27/2024</a:t>
+              <a:t>5/1/2024</a:t>
             </a:fld>
             <a:endParaRPr lang="en-US"/>
           </a:p>
@@ -4182,7 +4182,7 @@
           <a:p>
             <a:fld id="{A76116CE-C4A3-4A05-B2D7-7C2E9A889C0F}" type="datetimeFigureOut">
               <a:rPr lang="en-US" smtClean="0"/>
-              <a:t>4/27/2024</a:t>
+              <a:t>5/1/2024</a:t>
             </a:fld>
             <a:endParaRPr lang="en-US"/>
           </a:p>
@@ -4352,7 +4352,7 @@
           <a:p>
             <a:fld id="{A76116CE-C4A3-4A05-B2D7-7C2E9A889C0F}" type="datetimeFigureOut">
               <a:rPr lang="en-US" smtClean="0"/>
-              <a:t>4/27/2024</a:t>
+              <a:t>5/1/2024</a:t>
             </a:fld>
             <a:endParaRPr lang="en-US"/>
           </a:p>
@@ -4597,7 +4597,7 @@
           <a:p>
             <a:fld id="{A76116CE-C4A3-4A05-B2D7-7C2E9A889C0F}" type="datetimeFigureOut">
               <a:rPr lang="en-US" smtClean="0"/>
-              <a:t>4/27/2024</a:t>
+              <a:t>5/1/2024</a:t>
             </a:fld>
             <a:endParaRPr lang="en-US"/>
           </a:p>
@@ -4882,7 +4882,7 @@
           <a:p>
             <a:fld id="{A76116CE-C4A3-4A05-B2D7-7C2E9A889C0F}" type="datetimeFigureOut">
               <a:rPr lang="en-US" smtClean="0"/>
-              <a:t>4/27/2024</a:t>
+              <a:t>5/1/2024</a:t>
             </a:fld>
             <a:endParaRPr lang="en-US"/>
           </a:p>
@@ -5301,7 +5301,7 @@
           <a:p>
             <a:fld id="{A76116CE-C4A3-4A05-B2D7-7C2E9A889C0F}" type="datetimeFigureOut">
               <a:rPr lang="en-US" smtClean="0"/>
-              <a:t>4/27/2024</a:t>
+              <a:t>5/1/2024</a:t>
             </a:fld>
             <a:endParaRPr lang="en-US"/>
           </a:p>
@@ -5418,7 +5418,7 @@
           <a:p>
             <a:fld id="{A76116CE-C4A3-4A05-B2D7-7C2E9A889C0F}" type="datetimeFigureOut">
               <a:rPr lang="en-US" smtClean="0"/>
-              <a:t>4/27/2024</a:t>
+              <a:t>5/1/2024</a:t>
             </a:fld>
             <a:endParaRPr lang="en-US"/>
           </a:p>
@@ -5513,7 +5513,7 @@
           <a:p>
             <a:fld id="{A76116CE-C4A3-4A05-B2D7-7C2E9A889C0F}" type="datetimeFigureOut">
               <a:rPr lang="en-US" smtClean="0"/>
-              <a:t>4/27/2024</a:t>
+              <a:t>5/1/2024</a:t>
             </a:fld>
             <a:endParaRPr lang="en-US"/>
           </a:p>
@@ -5788,7 +5788,7 @@
           <a:p>
             <a:fld id="{A76116CE-C4A3-4A05-B2D7-7C2E9A889C0F}" type="datetimeFigureOut">
               <a:rPr lang="en-US" smtClean="0"/>
-              <a:t>4/27/2024</a:t>
+              <a:t>5/1/2024</a:t>
             </a:fld>
             <a:endParaRPr lang="en-US"/>
           </a:p>
@@ -6040,7 +6040,7 @@
           <a:p>
             <a:fld id="{A76116CE-C4A3-4A05-B2D7-7C2E9A889C0F}" type="datetimeFigureOut">
               <a:rPr lang="en-US" smtClean="0"/>
-              <a:t>4/27/2024</a:t>
+              <a:t>5/1/2024</a:t>
             </a:fld>
             <a:endParaRPr lang="en-US"/>
           </a:p>
@@ -6251,7 +6251,7 @@
           <a:p>
             <a:fld id="{F8166F1F-CE9B-4651-A6AA-CD717754106B}" type="datetimeFigureOut">
               <a:rPr lang="en-US" smtClean="0"/>
-              <a:t>4/27/2024</a:t>
+              <a:t>5/1/2024</a:t>
             </a:fld>
             <a:endParaRPr lang="en-US"/>
           </a:p>
@@ -11052,54 +11052,6 @@
       </p:grpSp>
       <p:pic>
         <p:nvPicPr>
-          <p:cNvPr id="39" name="Object 38"/>
-          <p:cNvPicPr>
-            <a:picLocks noChangeAspect="1"/>
-          </p:cNvPicPr>
-          <p:nvPr/>
-        </p:nvPicPr>
-        <p:blipFill>
-          <a:blip r:embed="rId15" cstate="print"/>
-          <a:stretch>
-            <a:fillRect/>
-          </a:stretch>
-        </p:blipFill>
-        <p:spPr>
-          <a:xfrm>
-            <a:off x="5064850" y="2304535"/>
-            <a:ext cx="2142813" cy="1101613"/>
-          </a:xfrm>
-          <a:prstGeom prst="rect">
-            <a:avLst/>
-          </a:prstGeom>
-        </p:spPr>
-      </p:pic>
-      <p:pic>
-        <p:nvPicPr>
-          <p:cNvPr id="40" name="Object 39"/>
-          <p:cNvPicPr>
-            <a:picLocks noChangeAspect="1"/>
-          </p:cNvPicPr>
-          <p:nvPr/>
-        </p:nvPicPr>
-        <p:blipFill>
-          <a:blip r:embed="rId16" cstate="print"/>
-          <a:stretch>
-            <a:fillRect/>
-          </a:stretch>
-        </p:blipFill>
-        <p:spPr>
-          <a:xfrm>
-            <a:off x="4886961" y="4069435"/>
-            <a:ext cx="2123238" cy="686876"/>
-          </a:xfrm>
-          <a:prstGeom prst="rect">
-            <a:avLst/>
-          </a:prstGeom>
-        </p:spPr>
-      </p:pic>
-      <p:pic>
-        <p:nvPicPr>
           <p:cNvPr id="41" name="Object 40"/>
           <p:cNvPicPr>
             <a:picLocks noChangeAspect="1"/>
@@ -11107,7 +11059,7 @@
           <p:nvPr/>
         </p:nvPicPr>
         <p:blipFill>
-          <a:blip r:embed="rId17" cstate="print"/>
+          <a:blip r:embed="rId15" cstate="print"/>
           <a:stretch>
             <a:fillRect/>
           </a:stretch>
@@ -11137,7 +11089,7 @@
           <p:nvPr/>
         </p:nvPicPr>
         <p:blipFill>
-          <a:blip r:embed="rId18">
+          <a:blip r:embed="rId16">
             <a:extLst>
               <a:ext uri="{28A0092B-C50C-407E-A947-70E740481C1C}">
                 <a14:useLocalDpi xmlns:a14="http://schemas.microsoft.com/office/drawing/2010/main" val="0"/>
@@ -11150,8 +11102,8 @@
         </p:blipFill>
         <p:spPr>
           <a:xfrm>
-            <a:off x="2052817" y="2466189"/>
-            <a:ext cx="1988878" cy="2557128"/>
+            <a:off x="1760220" y="2466189"/>
+            <a:ext cx="2381474" cy="3061894"/>
           </a:xfrm>
           <a:prstGeom prst="rect">
             <a:avLst/>
@@ -11172,7 +11124,7 @@
         </p:nvSpPr>
         <p:spPr>
           <a:xfrm>
-            <a:off x="7364771" y="2505976"/>
+            <a:off x="6779903" y="2512955"/>
             <a:ext cx="2206053" cy="400110"/>
           </a:xfrm>
           <a:prstGeom prst="rect">
@@ -11228,7 +11180,7 @@
         </p:nvSpPr>
         <p:spPr>
           <a:xfrm>
-            <a:off x="6382631" y="3359959"/>
+            <a:off x="6364673" y="3245365"/>
             <a:ext cx="4358886" cy="646331"/>
           </a:xfrm>
           <a:prstGeom prst="rect">
@@ -11282,8 +11234,8 @@
         </p:nvSpPr>
         <p:spPr>
           <a:xfrm>
-            <a:off x="5037387" y="4531559"/>
-            <a:ext cx="5686172" cy="877100"/>
+            <a:off x="5053468" y="4357678"/>
+            <a:ext cx="5658921" cy="1118448"/>
           </a:xfrm>
           <a:prstGeom prst="rect">
             <a:avLst/>
@@ -11298,7 +11250,7 @@
           <a:p>
             <a:pPr>
               <a:lnSpc>
-                <a:spcPct val="150000"/>
+                <a:spcPct val="200000"/>
               </a:lnSpc>
             </a:pPr>
             <a:r>
@@ -11333,7 +11285,7 @@
           <a:p>
             <a:pPr>
               <a:lnSpc>
-                <a:spcPct val="150000"/>
+                <a:spcPct val="200000"/>
               </a:lnSpc>
             </a:pPr>
             <a:r>
